--- a/docs/ecsub-tasks-format.pptx
+++ b/docs/ecsub-tasks-format.pptx
@@ -9,6 +9,7 @@
     <p:sldId id="288" r:id="rId3"/>
     <p:sldId id="286" r:id="rId4"/>
     <p:sldId id="287" r:id="rId5"/>
+    <p:sldId id="289" r:id="rId6"/>
   </p:sldIdLst>
   <p:sldSz cx="12192000" cy="6858000"/>
   <p:notesSz cx="6858000" cy="9144000"/>
@@ -246,7 +247,7 @@
           <a:p>
             <a:fld id="{73B234D0-82D7-4F59-9398-91BD09C6A5DD}" type="datetimeFigureOut">
               <a:rPr kumimoji="1" lang="ja-JP" altLang="en-US" smtClean="0"/>
-              <a:t>2019/7/23</a:t>
+              <a:t>2019/7/25</a:t>
             </a:fld>
             <a:endParaRPr kumimoji="1" lang="ja-JP" altLang="en-US"/>
           </a:p>
@@ -448,7 +449,7 @@
           <a:p>
             <a:fld id="{73B234D0-82D7-4F59-9398-91BD09C6A5DD}" type="datetimeFigureOut">
               <a:rPr kumimoji="1" lang="ja-JP" altLang="en-US" smtClean="0"/>
-              <a:t>2019/7/23</a:t>
+              <a:t>2019/7/25</a:t>
             </a:fld>
             <a:endParaRPr kumimoji="1" lang="ja-JP" altLang="en-US"/>
           </a:p>
@@ -660,7 +661,7 @@
           <a:p>
             <a:fld id="{73B234D0-82D7-4F59-9398-91BD09C6A5DD}" type="datetimeFigureOut">
               <a:rPr kumimoji="1" lang="ja-JP" altLang="en-US" smtClean="0"/>
-              <a:t>2019/7/23</a:t>
+              <a:t>2019/7/25</a:t>
             </a:fld>
             <a:endParaRPr kumimoji="1" lang="ja-JP" altLang="en-US"/>
           </a:p>
@@ -862,7 +863,7 @@
           <a:p>
             <a:fld id="{73B234D0-82D7-4F59-9398-91BD09C6A5DD}" type="datetimeFigureOut">
               <a:rPr kumimoji="1" lang="ja-JP" altLang="en-US" smtClean="0"/>
-              <a:t>2019/7/23</a:t>
+              <a:t>2019/7/25</a:t>
             </a:fld>
             <a:endParaRPr kumimoji="1" lang="ja-JP" altLang="en-US"/>
           </a:p>
@@ -1108,7 +1109,7 @@
           <a:p>
             <a:fld id="{73B234D0-82D7-4F59-9398-91BD09C6A5DD}" type="datetimeFigureOut">
               <a:rPr kumimoji="1" lang="ja-JP" altLang="en-US" smtClean="0"/>
-              <a:t>2019/7/23</a:t>
+              <a:t>2019/7/25</a:t>
             </a:fld>
             <a:endParaRPr kumimoji="1" lang="ja-JP" altLang="en-US"/>
           </a:p>
@@ -1404,7 +1405,7 @@
           <a:p>
             <a:fld id="{73B234D0-82D7-4F59-9398-91BD09C6A5DD}" type="datetimeFigureOut">
               <a:rPr kumimoji="1" lang="ja-JP" altLang="en-US" smtClean="0"/>
-              <a:t>2019/7/23</a:t>
+              <a:t>2019/7/25</a:t>
             </a:fld>
             <a:endParaRPr kumimoji="1" lang="ja-JP" altLang="en-US"/>
           </a:p>
@@ -1835,7 +1836,7 @@
           <a:p>
             <a:fld id="{73B234D0-82D7-4F59-9398-91BD09C6A5DD}" type="datetimeFigureOut">
               <a:rPr kumimoji="1" lang="ja-JP" altLang="en-US" smtClean="0"/>
-              <a:t>2019/7/23</a:t>
+              <a:t>2019/7/25</a:t>
             </a:fld>
             <a:endParaRPr kumimoji="1" lang="ja-JP" altLang="en-US"/>
           </a:p>
@@ -1953,7 +1954,7 @@
           <a:p>
             <a:fld id="{73B234D0-82D7-4F59-9398-91BD09C6A5DD}" type="datetimeFigureOut">
               <a:rPr kumimoji="1" lang="ja-JP" altLang="en-US" smtClean="0"/>
-              <a:t>2019/7/23</a:t>
+              <a:t>2019/7/25</a:t>
             </a:fld>
             <a:endParaRPr kumimoji="1" lang="ja-JP" altLang="en-US"/>
           </a:p>
@@ -2048,7 +2049,7 @@
           <a:p>
             <a:fld id="{73B234D0-82D7-4F59-9398-91BD09C6A5DD}" type="datetimeFigureOut">
               <a:rPr kumimoji="1" lang="ja-JP" altLang="en-US" smtClean="0"/>
-              <a:t>2019/7/23</a:t>
+              <a:t>2019/7/25</a:t>
             </a:fld>
             <a:endParaRPr kumimoji="1" lang="ja-JP" altLang="en-US"/>
           </a:p>
@@ -2357,7 +2358,7 @@
           <a:p>
             <a:fld id="{73B234D0-82D7-4F59-9398-91BD09C6A5DD}" type="datetimeFigureOut">
               <a:rPr kumimoji="1" lang="ja-JP" altLang="en-US" smtClean="0"/>
-              <a:t>2019/7/23</a:t>
+              <a:t>2019/7/25</a:t>
             </a:fld>
             <a:endParaRPr kumimoji="1" lang="ja-JP" altLang="en-US"/>
           </a:p>
@@ -2614,7 +2615,7 @@
           <a:p>
             <a:fld id="{73B234D0-82D7-4F59-9398-91BD09C6A5DD}" type="datetimeFigureOut">
               <a:rPr kumimoji="1" lang="ja-JP" altLang="en-US" smtClean="0"/>
-              <a:t>2019/7/23</a:t>
+              <a:t>2019/7/25</a:t>
             </a:fld>
             <a:endParaRPr kumimoji="1" lang="ja-JP" altLang="en-US"/>
           </a:p>
@@ -2859,7 +2860,7 @@
           <a:p>
             <a:fld id="{73B234D0-82D7-4F59-9398-91BD09C6A5DD}" type="datetimeFigureOut">
               <a:rPr kumimoji="1" lang="ja-JP" altLang="en-US" smtClean="0"/>
-              <a:t>2019/7/23</a:t>
+              <a:t>2019/7/25</a:t>
             </a:fld>
             <a:endParaRPr kumimoji="1" lang="ja-JP" altLang="en-US"/>
           </a:p>
@@ -3327,7 +3328,6 @@
               <a:rPr kumimoji="1" lang="en-US" altLang="ja-JP" smtClean="0"/>
               <a:t>2019.7.23</a:t>
             </a:r>
-            <a:endParaRPr kumimoji="1" lang="en-US" altLang="ja-JP" smtClean="0"/>
           </a:p>
           <a:p>
             <a:r>
@@ -3459,7 +3459,19 @@
             </a:r>
             <a:r>
               <a:rPr lang="ja-JP" altLang="en-US" smtClean="0"/>
-              <a:t>ファイル書き方を</a:t>
+              <a:t>ファイル</a:t>
+            </a:r>
+            <a:r>
+              <a:rPr lang="ja-JP" altLang="en-US"/>
+              <a:t>の</a:t>
+            </a:r>
+            <a:r>
+              <a:rPr lang="ja-JP" altLang="en-US" smtClean="0"/>
+              <a:t>書き方</a:t>
+            </a:r>
+            <a:r>
+              <a:rPr lang="ja-JP" altLang="en-US" smtClean="0"/>
+              <a:t>を</a:t>
             </a:r>
             <a:r>
               <a:rPr kumimoji="1" lang="ja-JP" altLang="en-US" smtClean="0"/>
@@ -3750,6 +3762,29 @@
               <a:t>環境変数</a:t>
             </a:r>
             <a:endParaRPr lang="en-US" altLang="ja-JP" smtClean="0"/>
+          </a:p>
+          <a:p>
+            <a:pPr lvl="1"/>
+            <a:r>
+              <a:rPr lang="en-US" altLang="ja-JP" smtClean="0"/>
+              <a:t>--secret-env [NAME] </a:t>
+            </a:r>
+            <a:r>
+              <a:rPr lang="ja-JP" altLang="en-US" smtClean="0"/>
+              <a:t>暗号化した環境変数 </a:t>
+            </a:r>
+            <a:r>
+              <a:rPr lang="en-US" altLang="ja-JP" smtClean="0"/>
+              <a:t>(</a:t>
+            </a:r>
+            <a:r>
+              <a:rPr lang="ja-JP" altLang="en-US" smtClean="0"/>
+              <a:t>後述</a:t>
+            </a:r>
+            <a:r>
+              <a:rPr lang="en-US" altLang="ja-JP" smtClean="0"/>
+              <a:t>)</a:t>
+            </a:r>
           </a:p>
           <a:p>
             <a:r>
@@ -4695,6 +4730,494 @@
 </p:sld>
 </file>
 
+<file path=ppt/slides/slide5.xml><?xml version="1.0" encoding="utf-8"?>
+<p:sld xmlns:a="http://schemas.openxmlformats.org/drawingml/2006/main" xmlns:r="http://schemas.openxmlformats.org/officeDocument/2006/relationships" xmlns:p="http://schemas.openxmlformats.org/presentationml/2006/main">
+  <p:cSld>
+    <p:spTree>
+      <p:nvGrpSpPr>
+        <p:cNvPr id="1" name=""/>
+        <p:cNvGrpSpPr/>
+        <p:nvPr/>
+      </p:nvGrpSpPr>
+      <p:grpSpPr>
+        <a:xfrm>
+          <a:off x="0" y="0"/>
+          <a:ext cx="0" cy="0"/>
+          <a:chOff x="0" y="0"/>
+          <a:chExt cx="0" cy="0"/>
+        </a:xfrm>
+      </p:grpSpPr>
+      <p:sp>
+        <p:nvSpPr>
+          <p:cNvPr id="2" name="タイトル 1"/>
+          <p:cNvSpPr>
+            <a:spLocks noGrp="1"/>
+          </p:cNvSpPr>
+          <p:nvPr>
+            <p:ph type="title"/>
+          </p:nvPr>
+        </p:nvSpPr>
+        <p:spPr/>
+        <p:txBody>
+          <a:bodyPr/>
+          <a:lstStyle/>
+          <a:p>
+            <a:r>
+              <a:rPr kumimoji="1" lang="ja-JP" altLang="en-US" smtClean="0"/>
+              <a:t>環境変数の暗号化</a:t>
+            </a:r>
+            <a:endParaRPr kumimoji="1" lang="ja-JP" altLang="en-US"/>
+          </a:p>
+        </p:txBody>
+      </p:sp>
+      <p:sp>
+        <p:nvSpPr>
+          <p:cNvPr id="3" name="コンテンツ プレースホルダー 2"/>
+          <p:cNvSpPr>
+            <a:spLocks noGrp="1"/>
+          </p:cNvSpPr>
+          <p:nvPr>
+            <p:ph idx="1"/>
+          </p:nvPr>
+        </p:nvSpPr>
+        <p:spPr/>
+        <p:txBody>
+          <a:bodyPr/>
+          <a:lstStyle/>
+          <a:p>
+            <a:pPr marL="0" indent="0">
+              <a:buNone/>
+            </a:pPr>
+            <a:r>
+              <a:rPr lang="en-US" altLang="ja-JP" smtClean="0"/>
+              <a:t>1) ecsub_tools </a:t>
+            </a:r>
+            <a:r>
+              <a:rPr lang="ja-JP" altLang="en-US" smtClean="0"/>
+              <a:t>コマンドを使用して、秘密にしたい文字列を暗号化します。</a:t>
+            </a:r>
+            <a:endParaRPr lang="en-US" altLang="ja-JP" smtClean="0"/>
+          </a:p>
+          <a:p>
+            <a:pPr marL="0" indent="0">
+              <a:buNone/>
+            </a:pPr>
+            <a:r>
+              <a:rPr lang="en-US" altLang="ja-JP" smtClean="0"/>
+              <a:t>$ </a:t>
+            </a:r>
+            <a:r>
+              <a:rPr lang="en-US" altLang="ja-JP"/>
+              <a:t>ecsub_tools </a:t>
+            </a:r>
+            <a:r>
+              <a:rPr lang="en-US" altLang="ja-JP"/>
+              <a:t>encrypt </a:t>
+            </a:r>
+            <a:r>
+              <a:rPr lang="en-US" altLang="ja-JP" smtClean="0">
+                <a:solidFill>
+                  <a:schemeClr val="accent2"/>
+                </a:solidFill>
+              </a:rPr>
+              <a:t>password      # &lt;--- </a:t>
+            </a:r>
+            <a:r>
+              <a:rPr lang="ja-JP" altLang="en-US" smtClean="0">
+                <a:solidFill>
+                  <a:schemeClr val="accent2"/>
+                </a:solidFill>
+              </a:rPr>
+              <a:t>秘密にしたい文字列</a:t>
+            </a:r>
+            <a:endParaRPr lang="en-US" altLang="ja-JP">
+              <a:solidFill>
+                <a:schemeClr val="accent2"/>
+              </a:solidFill>
+            </a:endParaRPr>
+          </a:p>
+          <a:p>
+            <a:pPr marL="0" indent="0">
+              <a:buNone/>
+            </a:pPr>
+            <a:r>
+              <a:rPr lang="en-US" altLang="ja-JP" smtClean="0">
+                <a:solidFill>
+                  <a:schemeClr val="accent6"/>
+                </a:solidFill>
+              </a:rPr>
+              <a:t>AQICA(</a:t>
+            </a:r>
+            <a:r>
+              <a:rPr lang="ja-JP" altLang="en-US" smtClean="0">
+                <a:solidFill>
+                  <a:schemeClr val="accent6"/>
+                </a:solidFill>
+              </a:rPr>
+              <a:t>省略</a:t>
+            </a:r>
+            <a:r>
+              <a:rPr lang="en-US" altLang="ja-JP" smtClean="0">
+                <a:solidFill>
+                  <a:schemeClr val="accent6"/>
+                </a:solidFill>
+              </a:rPr>
+              <a:t>)ZMTlAsFP4w==             # &lt;--- </a:t>
+            </a:r>
+            <a:r>
+              <a:rPr lang="ja-JP" altLang="en-US" smtClean="0">
+                <a:solidFill>
+                  <a:schemeClr val="accent6"/>
+                </a:solidFill>
+              </a:rPr>
+              <a:t>暗号化された文字列</a:t>
+            </a:r>
+            <a:endParaRPr lang="en-US" altLang="ja-JP" smtClean="0">
+              <a:solidFill>
+                <a:schemeClr val="accent6"/>
+              </a:solidFill>
+            </a:endParaRPr>
+          </a:p>
+          <a:p>
+            <a:pPr marL="0" indent="0">
+              <a:buNone/>
+            </a:pPr>
+            <a:endParaRPr lang="en-US" altLang="ja-JP" smtClean="0"/>
+          </a:p>
+          <a:p>
+            <a:pPr marL="0" indent="0">
+              <a:buNone/>
+            </a:pPr>
+            <a:r>
+              <a:rPr lang="en-US" altLang="ja-JP" smtClean="0"/>
+              <a:t>2) </a:t>
+            </a:r>
+            <a:r>
+              <a:rPr lang="ja-JP" altLang="en-US" smtClean="0"/>
+              <a:t>作成した文字列をフィールド名 </a:t>
+            </a:r>
+            <a:r>
+              <a:rPr lang="en-US" altLang="ja-JP" smtClean="0"/>
+              <a:t>--secret-env </a:t>
+            </a:r>
+            <a:r>
+              <a:rPr lang="ja-JP" altLang="en-US" smtClean="0"/>
+              <a:t>をつけて </a:t>
+            </a:r>
+            <a:r>
+              <a:rPr lang="en-US" altLang="ja-JP" smtClean="0"/>
+              <a:t>tasks.tsv </a:t>
+            </a:r>
+            <a:r>
+              <a:rPr lang="ja-JP" altLang="en-US" smtClean="0"/>
+              <a:t>に記入します。</a:t>
+            </a:r>
+            <a:endParaRPr lang="en-US" altLang="ja-JP"/>
+          </a:p>
+        </p:txBody>
+      </p:sp>
+      <p:graphicFrame>
+        <p:nvGraphicFramePr>
+          <p:cNvPr id="12" name="表 11"/>
+          <p:cNvGraphicFramePr>
+            <a:graphicFrameLocks noGrp="1"/>
+          </p:cNvGraphicFramePr>
+          <p:nvPr>
+            <p:extLst>
+              <p:ext uri="{D42A27DB-BD31-4B8C-83A1-F6EECF244321}">
+                <p14:modId xmlns:p14="http://schemas.microsoft.com/office/powerpoint/2010/main" val="72490950"/>
+              </p:ext>
+            </p:extLst>
+          </p:nvPr>
+        </p:nvGraphicFramePr>
+        <p:xfrm>
+          <a:off x="725285" y="5300980"/>
+          <a:ext cx="10741429" cy="1010920"/>
+        </p:xfrm>
+        <a:graphic>
+          <a:graphicData uri="http://schemas.openxmlformats.org/drawingml/2006/table">
+            <a:tbl>
+              <a:tblPr firstRow="1" bandRow="1">
+                <a:tableStyleId>{5C22544A-7EE6-4342-B048-85BDC9FD1C3A}</a:tableStyleId>
+              </a:tblPr>
+              <a:tblGrid>
+                <a:gridCol w="2969030">
+                  <a:extLst>
+                    <a:ext uri="{9D8B030D-6E8A-4147-A177-3AD203B41FA5}">
+                      <a16:colId xmlns:a16="http://schemas.microsoft.com/office/drawing/2014/main" val="463499184"/>
+                    </a:ext>
+                  </a:extLst>
+                </a:gridCol>
+                <a:gridCol w="914400">
+                  <a:extLst>
+                    <a:ext uri="{9D8B030D-6E8A-4147-A177-3AD203B41FA5}">
+                      <a16:colId xmlns:a16="http://schemas.microsoft.com/office/drawing/2014/main" val="186898113"/>
+                    </a:ext>
+                  </a:extLst>
+                </a:gridCol>
+                <a:gridCol w="2219498">
+                  <a:extLst>
+                    <a:ext uri="{9D8B030D-6E8A-4147-A177-3AD203B41FA5}">
+                      <a16:colId xmlns:a16="http://schemas.microsoft.com/office/drawing/2014/main" val="1242646898"/>
+                    </a:ext>
+                  </a:extLst>
+                </a:gridCol>
+                <a:gridCol w="2277687">
+                  <a:extLst>
+                    <a:ext uri="{9D8B030D-6E8A-4147-A177-3AD203B41FA5}">
+                      <a16:colId xmlns:a16="http://schemas.microsoft.com/office/drawing/2014/main" val="3276099396"/>
+                    </a:ext>
+                  </a:extLst>
+                </a:gridCol>
+                <a:gridCol w="2360814">
+                  <a:extLst>
+                    <a:ext uri="{9D8B030D-6E8A-4147-A177-3AD203B41FA5}">
+                      <a16:colId xmlns:a16="http://schemas.microsoft.com/office/drawing/2014/main" val="553529360"/>
+                    </a:ext>
+                  </a:extLst>
+                </a:gridCol>
+              </a:tblGrid>
+              <a:tr h="370840">
+                <a:tc>
+                  <a:txBody>
+                    <a:bodyPr/>
+                    <a:lstStyle/>
+                    <a:p>
+                      <a:r>
+                        <a:rPr lang="en-US" altLang="ja-JP" smtClean="0"/>
+                        <a:t>--secret-env PW</a:t>
+                      </a:r>
+                      <a:endParaRPr kumimoji="1" lang="ja-JP" altLang="en-US"/>
+                    </a:p>
+                  </a:txBody>
+                  <a:tcPr/>
+                </a:tc>
+                <a:tc>
+                  <a:txBody>
+                    <a:bodyPr/>
+                    <a:lstStyle/>
+                    <a:p>
+                      <a:r>
+                        <a:rPr kumimoji="1" lang="en-US" altLang="ja-JP" smtClean="0"/>
+                        <a:t>--env NAME</a:t>
+                      </a:r>
+                      <a:endParaRPr kumimoji="1" lang="ja-JP" altLang="en-US"/>
+                    </a:p>
+                  </a:txBody>
+                  <a:tcPr/>
+                </a:tc>
+                <a:tc>
+                  <a:txBody>
+                    <a:bodyPr/>
+                    <a:lstStyle/>
+                    <a:p>
+                      <a:pPr marL="0" marR="0" lvl="0" indent="0" algn="l" defTabSz="914400" rtl="0" eaLnBrk="1" fontAlgn="auto" latinLnBrk="0" hangingPunct="1">
+                        <a:lnSpc>
+                          <a:spcPct val="100000"/>
+                        </a:lnSpc>
+                        <a:spcBef>
+                          <a:spcPts val="0"/>
+                        </a:spcBef>
+                        <a:spcAft>
+                          <a:spcPts val="0"/>
+                        </a:spcAft>
+                        <a:buClrTx/>
+                        <a:buSzTx/>
+                        <a:buFontTx/>
+                        <a:buNone/>
+                        <a:tabLst/>
+                        <a:defRPr/>
+                      </a:pPr>
+                      <a:r>
+                        <a:rPr lang="en-US" altLang="ja-JP" smtClean="0"/>
+                        <a:t>--input INPUT_FILE</a:t>
+                      </a:r>
+                      <a:endParaRPr kumimoji="1" lang="ja-JP" altLang="en-US"/>
+                    </a:p>
+                  </a:txBody>
+                  <a:tcPr/>
+                </a:tc>
+                <a:tc>
+                  <a:txBody>
+                    <a:bodyPr/>
+                    <a:lstStyle/>
+                    <a:p>
+                      <a:r>
+                        <a:rPr lang="en-US" altLang="ja-JP" smtClean="0"/>
+                        <a:t>--input-recursive SCRIPT</a:t>
+                      </a:r>
+                      <a:endParaRPr kumimoji="1" lang="ja-JP" altLang="en-US"/>
+                    </a:p>
+                  </a:txBody>
+                  <a:tcPr/>
+                </a:tc>
+                <a:tc>
+                  <a:txBody>
+                    <a:bodyPr/>
+                    <a:lstStyle/>
+                    <a:p>
+                      <a:pPr marL="0" marR="0" lvl="0" indent="0" algn="l" defTabSz="914400" rtl="0" eaLnBrk="1" fontAlgn="auto" latinLnBrk="0" hangingPunct="1">
+                        <a:lnSpc>
+                          <a:spcPct val="100000"/>
+                        </a:lnSpc>
+                        <a:spcBef>
+                          <a:spcPts val="0"/>
+                        </a:spcBef>
+                        <a:spcAft>
+                          <a:spcPts val="0"/>
+                        </a:spcAft>
+                        <a:buClrTx/>
+                        <a:buSzTx/>
+                        <a:buFontTx/>
+                        <a:buNone/>
+                        <a:tabLst/>
+                        <a:defRPr/>
+                      </a:pPr>
+                      <a:r>
+                        <a:rPr lang="en-US" altLang="ja-JP" smtClean="0"/>
+                        <a:t>--output OUTPUT_FILE</a:t>
+                      </a:r>
+                    </a:p>
+                  </a:txBody>
+                  <a:tcPr/>
+                </a:tc>
+                <a:extLst>
+                  <a:ext uri="{0D108BD9-81ED-4DB2-BD59-A6C34878D82A}">
+                    <a16:rowId xmlns:a16="http://schemas.microsoft.com/office/drawing/2014/main" val="4084582094"/>
+                  </a:ext>
+                </a:extLst>
+              </a:tr>
+              <a:tr h="370840">
+                <a:tc>
+                  <a:txBody>
+                    <a:bodyPr/>
+                    <a:lstStyle/>
+                    <a:p>
+                      <a:r>
+                        <a:rPr kumimoji="1" lang="en-US" altLang="ja-JP" smtClean="0"/>
+                        <a:t>AQICA(</a:t>
+                      </a:r>
+                      <a:r>
+                        <a:rPr kumimoji="1" lang="ja-JP" altLang="en-US" smtClean="0"/>
+                        <a:t>省略</a:t>
+                      </a:r>
+                      <a:r>
+                        <a:rPr kumimoji="1" lang="en-US" altLang="ja-JP" smtClean="0"/>
+                        <a:t>)ZMTlAsFP4w==</a:t>
+                      </a:r>
+                      <a:endParaRPr kumimoji="1" lang="ja-JP" altLang="en-US"/>
+                    </a:p>
+                  </a:txBody>
+                  <a:tcPr/>
+                </a:tc>
+                <a:tc>
+                  <a:txBody>
+                    <a:bodyPr/>
+                    <a:lstStyle/>
+                    <a:p>
+                      <a:r>
+                        <a:rPr kumimoji="1" lang="en-US" altLang="ja-JP" smtClean="0"/>
+                        <a:t>Hamlet</a:t>
+                      </a:r>
+                      <a:endParaRPr kumimoji="1" lang="ja-JP" altLang="en-US"/>
+                    </a:p>
+                  </a:txBody>
+                  <a:tcPr/>
+                </a:tc>
+                <a:tc>
+                  <a:txBody>
+                    <a:bodyPr/>
+                    <a:lstStyle/>
+                    <a:p>
+                      <a:r>
+                        <a:rPr lang="en-US" altLang="ja-JP" smtClean="0"/>
+                        <a:t>s3</a:t>
+                      </a:r>
+                      <a:r>
+                        <a:rPr lang="en-US" altLang="ja-JP" smtClean="0"/>
+                        <a:t>://bucket/input.txt</a:t>
+                      </a:r>
+                      <a:endParaRPr kumimoji="1" lang="ja-JP" altLang="en-US"/>
+                    </a:p>
+                  </a:txBody>
+                  <a:tcPr/>
+                </a:tc>
+                <a:tc>
+                  <a:txBody>
+                    <a:bodyPr/>
+                    <a:lstStyle/>
+                    <a:p>
+                      <a:r>
+                        <a:rPr lang="en-US" altLang="ja-JP" smtClean="0"/>
+                        <a:t>s3</a:t>
+                      </a:r>
+                      <a:r>
+                        <a:rPr lang="en-US" altLang="ja-JP" smtClean="0"/>
+                        <a:t>://bucket/input-dir</a:t>
+                      </a:r>
+                      <a:endParaRPr kumimoji="1" lang="ja-JP" altLang="en-US"/>
+                    </a:p>
+                  </a:txBody>
+                  <a:tcPr/>
+                </a:tc>
+                <a:tc>
+                  <a:txBody>
+                    <a:bodyPr/>
+                    <a:lstStyle/>
+                    <a:p>
+                      <a:pPr marL="0" marR="0" lvl="0" indent="0" algn="l" defTabSz="914400" rtl="0" eaLnBrk="1" fontAlgn="auto" latinLnBrk="0" hangingPunct="1">
+                        <a:lnSpc>
+                          <a:spcPct val="100000"/>
+                        </a:lnSpc>
+                        <a:spcBef>
+                          <a:spcPts val="0"/>
+                        </a:spcBef>
+                        <a:spcAft>
+                          <a:spcPts val="0"/>
+                        </a:spcAft>
+                        <a:buClrTx/>
+                        <a:buSzTx/>
+                        <a:buFontTx/>
+                        <a:buNone/>
+                        <a:tabLst/>
+                        <a:defRPr/>
+                      </a:pPr>
+                      <a:r>
+                        <a:rPr lang="en-US" altLang="ja-JP" smtClean="0"/>
+                        <a:t>s3</a:t>
+                      </a:r>
+                      <a:r>
+                        <a:rPr lang="en-US" altLang="ja-JP" smtClean="0"/>
+                        <a:t>://bucket/output.txt</a:t>
+                      </a:r>
+                      <a:endParaRPr lang="en-US" altLang="ja-JP" smtClean="0"/>
+                    </a:p>
+                  </a:txBody>
+                  <a:tcPr/>
+                </a:tc>
+                <a:extLst>
+                  <a:ext uri="{0D108BD9-81ED-4DB2-BD59-A6C34878D82A}">
+                    <a16:rowId xmlns:a16="http://schemas.microsoft.com/office/drawing/2014/main" val="2458058028"/>
+                  </a:ext>
+                </a:extLst>
+              </a:tr>
+            </a:tbl>
+          </a:graphicData>
+        </a:graphic>
+      </p:graphicFrame>
+    </p:spTree>
+    <p:extLst>
+      <p:ext uri="{BB962C8B-B14F-4D97-AF65-F5344CB8AC3E}">
+        <p14:creationId xmlns:p14="http://schemas.microsoft.com/office/powerpoint/2010/main" val="2916159364"/>
+      </p:ext>
+    </p:extLst>
+  </p:cSld>
+  <p:clrMapOvr>
+    <a:masterClrMapping/>
+  </p:clrMapOvr>
+</p:sld>
+</file>
+
 <file path=ppt/theme/theme1.xml><?xml version="1.0" encoding="utf-8"?>
 <a:theme xmlns:a="http://schemas.openxmlformats.org/drawingml/2006/main" name="Office Theme">
   <a:themeElements>
